--- a/translation_file/Thailand Homepage.pptx
+++ b/translation_file/Thailand Homepage.pptx
@@ -287,7 +287,7 @@
           <a:p>
             <a:fld id="{B994DED3-4480-4BEC-A1C8-F9290CF9BE2D}" type="datetimeFigureOut">
               <a:rPr lang="en-US" smtClean="0"/>
-              <a:t>8/27/2020</a:t>
+              <a:t>9/2/2020</a:t>
             </a:fld>
             <a:endParaRPr lang="en-US"/>
           </a:p>
@@ -485,7 +485,7 @@
           <a:p>
             <a:fld id="{B994DED3-4480-4BEC-A1C8-F9290CF9BE2D}" type="datetimeFigureOut">
               <a:rPr lang="en-US" smtClean="0"/>
-              <a:t>8/27/2020</a:t>
+              <a:t>9/2/2020</a:t>
             </a:fld>
             <a:endParaRPr lang="en-US"/>
           </a:p>
@@ -693,7 +693,7 @@
           <a:p>
             <a:fld id="{B994DED3-4480-4BEC-A1C8-F9290CF9BE2D}" type="datetimeFigureOut">
               <a:rPr lang="en-US" smtClean="0"/>
-              <a:t>8/27/2020</a:t>
+              <a:t>9/2/2020</a:t>
             </a:fld>
             <a:endParaRPr lang="en-US"/>
           </a:p>
@@ -891,7 +891,7 @@
           <a:p>
             <a:fld id="{B994DED3-4480-4BEC-A1C8-F9290CF9BE2D}" type="datetimeFigureOut">
               <a:rPr lang="en-US" smtClean="0"/>
-              <a:t>8/27/2020</a:t>
+              <a:t>9/2/2020</a:t>
             </a:fld>
             <a:endParaRPr lang="en-US"/>
           </a:p>
@@ -1166,7 +1166,7 @@
           <a:p>
             <a:fld id="{B994DED3-4480-4BEC-A1C8-F9290CF9BE2D}" type="datetimeFigureOut">
               <a:rPr lang="en-US" smtClean="0"/>
-              <a:t>8/27/2020</a:t>
+              <a:t>9/2/2020</a:t>
             </a:fld>
             <a:endParaRPr lang="en-US"/>
           </a:p>
@@ -1431,7 +1431,7 @@
           <a:p>
             <a:fld id="{B994DED3-4480-4BEC-A1C8-F9290CF9BE2D}" type="datetimeFigureOut">
               <a:rPr lang="en-US" smtClean="0"/>
-              <a:t>8/27/2020</a:t>
+              <a:t>9/2/2020</a:t>
             </a:fld>
             <a:endParaRPr lang="en-US"/>
           </a:p>
@@ -1843,7 +1843,7 @@
           <a:p>
             <a:fld id="{B994DED3-4480-4BEC-A1C8-F9290CF9BE2D}" type="datetimeFigureOut">
               <a:rPr lang="en-US" smtClean="0"/>
-              <a:t>8/27/2020</a:t>
+              <a:t>9/2/2020</a:t>
             </a:fld>
             <a:endParaRPr lang="en-US"/>
           </a:p>
@@ -1984,7 +1984,7 @@
           <a:p>
             <a:fld id="{B994DED3-4480-4BEC-A1C8-F9290CF9BE2D}" type="datetimeFigureOut">
               <a:rPr lang="en-US" smtClean="0"/>
-              <a:t>8/27/2020</a:t>
+              <a:t>9/2/2020</a:t>
             </a:fld>
             <a:endParaRPr lang="en-US"/>
           </a:p>
@@ -2097,7 +2097,7 @@
           <a:p>
             <a:fld id="{B994DED3-4480-4BEC-A1C8-F9290CF9BE2D}" type="datetimeFigureOut">
               <a:rPr lang="en-US" smtClean="0"/>
-              <a:t>8/27/2020</a:t>
+              <a:t>9/2/2020</a:t>
             </a:fld>
             <a:endParaRPr lang="en-US"/>
           </a:p>
@@ -2408,7 +2408,7 @@
           <a:p>
             <a:fld id="{B994DED3-4480-4BEC-A1C8-F9290CF9BE2D}" type="datetimeFigureOut">
               <a:rPr lang="en-US" smtClean="0"/>
-              <a:t>8/27/2020</a:t>
+              <a:t>9/2/2020</a:t>
             </a:fld>
             <a:endParaRPr lang="en-US"/>
           </a:p>
@@ -2696,7 +2696,7 @@
           <a:p>
             <a:fld id="{B994DED3-4480-4BEC-A1C8-F9290CF9BE2D}" type="datetimeFigureOut">
               <a:rPr lang="en-US" smtClean="0"/>
-              <a:t>8/27/2020</a:t>
+              <a:t>9/2/2020</a:t>
             </a:fld>
             <a:endParaRPr lang="en-US"/>
           </a:p>
@@ -2937,7 +2937,7 @@
           <a:p>
             <a:fld id="{B994DED3-4480-4BEC-A1C8-F9290CF9BE2D}" type="datetimeFigureOut">
               <a:rPr lang="en-US" smtClean="0"/>
-              <a:t>8/27/2020</a:t>
+              <a:t>9/2/2020</a:t>
             </a:fld>
             <a:endParaRPr lang="en-US"/>
           </a:p>
